--- a/DWM - Stream mining.pptx
+++ b/DWM - Stream mining.pptx
@@ -16,6 +16,10 @@
     <p:sldId id="261" r:id="rId13"/>
     <p:sldId id="262" r:id="rId14"/>
     <p:sldId id="263" r:id="rId15"/>
+    <p:sldId id="264" r:id="rId16"/>
+    <p:sldId id="265" r:id="rId17"/>
+    <p:sldId id="266" r:id="rId18"/>
+    <p:sldId id="267" r:id="rId19"/>
   </p:sldIdLst>
   <p:sldSz cx="13004800" cy="9753600"/>
   <p:notesSz cx="6858000" cy="9144000"/>
@@ -66,13 +70,13 @@
           <a:noFill/>
         </a:ln>
         <a:solidFill>
-          <a:srgbClr val="858585"/>
+          <a:srgbClr val="008585"/>
         </a:solidFill>
         <a:effectLst/>
         <a:uFillTx/>
-        <a:latin typeface="+mn-lt"/>
-        <a:ea typeface="+mn-ea"/>
-        <a:cs typeface="+mn-cs"/>
+        <a:latin typeface="Marker Felt"/>
+        <a:ea typeface="Marker Felt"/>
+        <a:cs typeface="Marker Felt"/>
         <a:sym typeface="Marker Felt"/>
       </a:defRPr>
     </a:lvl1pPr>
@@ -96,13 +100,13 @@
           <a:noFill/>
         </a:ln>
         <a:solidFill>
-          <a:srgbClr val="858585"/>
+          <a:srgbClr val="008585"/>
         </a:solidFill>
         <a:effectLst/>
         <a:uFillTx/>
-        <a:latin typeface="+mn-lt"/>
-        <a:ea typeface="+mn-ea"/>
-        <a:cs typeface="+mn-cs"/>
+        <a:latin typeface="Marker Felt"/>
+        <a:ea typeface="Marker Felt"/>
+        <a:cs typeface="Marker Felt"/>
         <a:sym typeface="Marker Felt"/>
       </a:defRPr>
     </a:lvl2pPr>
@@ -126,13 +130,13 @@
           <a:noFill/>
         </a:ln>
         <a:solidFill>
-          <a:srgbClr val="858585"/>
+          <a:srgbClr val="008585"/>
         </a:solidFill>
         <a:effectLst/>
         <a:uFillTx/>
-        <a:latin typeface="+mn-lt"/>
-        <a:ea typeface="+mn-ea"/>
-        <a:cs typeface="+mn-cs"/>
+        <a:latin typeface="Marker Felt"/>
+        <a:ea typeface="Marker Felt"/>
+        <a:cs typeface="Marker Felt"/>
         <a:sym typeface="Marker Felt"/>
       </a:defRPr>
     </a:lvl3pPr>
@@ -156,13 +160,13 @@
           <a:noFill/>
         </a:ln>
         <a:solidFill>
-          <a:srgbClr val="858585"/>
+          <a:srgbClr val="008585"/>
         </a:solidFill>
         <a:effectLst/>
         <a:uFillTx/>
-        <a:latin typeface="+mn-lt"/>
-        <a:ea typeface="+mn-ea"/>
-        <a:cs typeface="+mn-cs"/>
+        <a:latin typeface="Marker Felt"/>
+        <a:ea typeface="Marker Felt"/>
+        <a:cs typeface="Marker Felt"/>
         <a:sym typeface="Marker Felt"/>
       </a:defRPr>
     </a:lvl4pPr>
@@ -186,13 +190,13 @@
           <a:noFill/>
         </a:ln>
         <a:solidFill>
-          <a:srgbClr val="858585"/>
+          <a:srgbClr val="008585"/>
         </a:solidFill>
         <a:effectLst/>
         <a:uFillTx/>
-        <a:latin typeface="+mn-lt"/>
-        <a:ea typeface="+mn-ea"/>
-        <a:cs typeface="+mn-cs"/>
+        <a:latin typeface="Marker Felt"/>
+        <a:ea typeface="Marker Felt"/>
+        <a:cs typeface="Marker Felt"/>
         <a:sym typeface="Marker Felt"/>
       </a:defRPr>
     </a:lvl5pPr>
@@ -216,13 +220,13 @@
           <a:noFill/>
         </a:ln>
         <a:solidFill>
-          <a:srgbClr val="858585"/>
+          <a:srgbClr val="008585"/>
         </a:solidFill>
         <a:effectLst/>
         <a:uFillTx/>
-        <a:latin typeface="+mn-lt"/>
-        <a:ea typeface="+mn-ea"/>
-        <a:cs typeface="+mn-cs"/>
+        <a:latin typeface="Marker Felt"/>
+        <a:ea typeface="Marker Felt"/>
+        <a:cs typeface="Marker Felt"/>
         <a:sym typeface="Marker Felt"/>
       </a:defRPr>
     </a:lvl6pPr>
@@ -246,13 +250,13 @@
           <a:noFill/>
         </a:ln>
         <a:solidFill>
-          <a:srgbClr val="858585"/>
+          <a:srgbClr val="008585"/>
         </a:solidFill>
         <a:effectLst/>
         <a:uFillTx/>
-        <a:latin typeface="+mn-lt"/>
-        <a:ea typeface="+mn-ea"/>
-        <a:cs typeface="+mn-cs"/>
+        <a:latin typeface="Marker Felt"/>
+        <a:ea typeface="Marker Felt"/>
+        <a:cs typeface="Marker Felt"/>
         <a:sym typeface="Marker Felt"/>
       </a:defRPr>
     </a:lvl7pPr>
@@ -276,13 +280,13 @@
           <a:noFill/>
         </a:ln>
         <a:solidFill>
-          <a:srgbClr val="858585"/>
+          <a:srgbClr val="008585"/>
         </a:solidFill>
         <a:effectLst/>
         <a:uFillTx/>
-        <a:latin typeface="+mn-lt"/>
-        <a:ea typeface="+mn-ea"/>
-        <a:cs typeface="+mn-cs"/>
+        <a:latin typeface="Marker Felt"/>
+        <a:ea typeface="Marker Felt"/>
+        <a:cs typeface="Marker Felt"/>
         <a:sym typeface="Marker Felt"/>
       </a:defRPr>
     </a:lvl8pPr>
@@ -306,13 +310,13 @@
           <a:noFill/>
         </a:ln>
         <a:solidFill>
-          <a:srgbClr val="858585"/>
+          <a:srgbClr val="008585"/>
         </a:solidFill>
         <a:effectLst/>
         <a:uFillTx/>
-        <a:latin typeface="+mn-lt"/>
-        <a:ea typeface="+mn-ea"/>
-        <a:cs typeface="+mn-cs"/>
+        <a:latin typeface="Marker Felt"/>
+        <a:ea typeface="Marker Felt"/>
+        <a:cs typeface="Marker Felt"/>
         <a:sym typeface="Marker Felt"/>
       </a:defRPr>
     </a:lvl9pPr>
@@ -400,9 +404,9 @@
         <a:spcPct val="117999"/>
       </a:lnSpc>
       <a:defRPr sz="2200">
-        <a:latin typeface="Helvetica Neue"/>
-        <a:ea typeface="Helvetica Neue"/>
-        <a:cs typeface="Helvetica Neue"/>
+        <a:latin typeface="+mj-lt"/>
+        <a:ea typeface="+mj-ea"/>
+        <a:cs typeface="+mj-cs"/>
         <a:sym typeface="Helvetica Neue"/>
       </a:defRPr>
     </a:lvl1pPr>
@@ -411,9 +415,9 @@
         <a:spcPct val="117999"/>
       </a:lnSpc>
       <a:defRPr sz="2200">
-        <a:latin typeface="Helvetica Neue"/>
-        <a:ea typeface="Helvetica Neue"/>
-        <a:cs typeface="Helvetica Neue"/>
+        <a:latin typeface="+mj-lt"/>
+        <a:ea typeface="+mj-ea"/>
+        <a:cs typeface="+mj-cs"/>
         <a:sym typeface="Helvetica Neue"/>
       </a:defRPr>
     </a:lvl2pPr>
@@ -422,9 +426,9 @@
         <a:spcPct val="117999"/>
       </a:lnSpc>
       <a:defRPr sz="2200">
-        <a:latin typeface="Helvetica Neue"/>
-        <a:ea typeface="Helvetica Neue"/>
-        <a:cs typeface="Helvetica Neue"/>
+        <a:latin typeface="+mj-lt"/>
+        <a:ea typeface="+mj-ea"/>
+        <a:cs typeface="+mj-cs"/>
         <a:sym typeface="Helvetica Neue"/>
       </a:defRPr>
     </a:lvl3pPr>
@@ -433,9 +437,9 @@
         <a:spcPct val="117999"/>
       </a:lnSpc>
       <a:defRPr sz="2200">
-        <a:latin typeface="Helvetica Neue"/>
-        <a:ea typeface="Helvetica Neue"/>
-        <a:cs typeface="Helvetica Neue"/>
+        <a:latin typeface="+mj-lt"/>
+        <a:ea typeface="+mj-ea"/>
+        <a:cs typeface="+mj-cs"/>
         <a:sym typeface="Helvetica Neue"/>
       </a:defRPr>
     </a:lvl4pPr>
@@ -444,9 +448,9 @@
         <a:spcPct val="117999"/>
       </a:lnSpc>
       <a:defRPr sz="2200">
-        <a:latin typeface="Helvetica Neue"/>
-        <a:ea typeface="Helvetica Neue"/>
-        <a:cs typeface="Helvetica Neue"/>
+        <a:latin typeface="+mj-lt"/>
+        <a:ea typeface="+mj-ea"/>
+        <a:cs typeface="+mj-cs"/>
         <a:sym typeface="Helvetica Neue"/>
       </a:defRPr>
     </a:lvl5pPr>
@@ -455,9 +459,9 @@
         <a:spcPct val="117999"/>
       </a:lnSpc>
       <a:defRPr sz="2200">
-        <a:latin typeface="Helvetica Neue"/>
-        <a:ea typeface="Helvetica Neue"/>
-        <a:cs typeface="Helvetica Neue"/>
+        <a:latin typeface="+mj-lt"/>
+        <a:ea typeface="+mj-ea"/>
+        <a:cs typeface="+mj-cs"/>
         <a:sym typeface="Helvetica Neue"/>
       </a:defRPr>
     </a:lvl6pPr>
@@ -466,9 +470,9 @@
         <a:spcPct val="117999"/>
       </a:lnSpc>
       <a:defRPr sz="2200">
-        <a:latin typeface="Helvetica Neue"/>
-        <a:ea typeface="Helvetica Neue"/>
-        <a:cs typeface="Helvetica Neue"/>
+        <a:latin typeface="+mj-lt"/>
+        <a:ea typeface="+mj-ea"/>
+        <a:cs typeface="+mj-cs"/>
         <a:sym typeface="Helvetica Neue"/>
       </a:defRPr>
     </a:lvl7pPr>
@@ -477,9 +481,9 @@
         <a:spcPct val="117999"/>
       </a:lnSpc>
       <a:defRPr sz="2200">
-        <a:latin typeface="Helvetica Neue"/>
-        <a:ea typeface="Helvetica Neue"/>
-        <a:cs typeface="Helvetica Neue"/>
+        <a:latin typeface="+mj-lt"/>
+        <a:ea typeface="+mj-ea"/>
+        <a:cs typeface="+mj-cs"/>
         <a:sym typeface="Helvetica Neue"/>
       </a:defRPr>
     </a:lvl8pPr>
@@ -488,9 +492,9 @@
         <a:spcPct val="117999"/>
       </a:lnSpc>
       <a:defRPr sz="2200">
-        <a:latin typeface="Helvetica Neue"/>
-        <a:ea typeface="Helvetica Neue"/>
-        <a:cs typeface="Helvetica Neue"/>
+        <a:latin typeface="+mj-lt"/>
+        <a:ea typeface="+mj-ea"/>
+        <a:cs typeface="+mj-cs"/>
         <a:sym typeface="Helvetica Neue"/>
       </a:defRPr>
     </a:lvl9pPr>
@@ -650,7 +654,7 @@
         </p:nvSpPr>
         <p:spPr>
           <a:xfrm>
-            <a:off x="6311901" y="9270999"/>
+            <a:off x="6311901" y="9271000"/>
             <a:ext cx="374905" cy="355601"/>
           </a:xfrm>
           <a:prstGeom prst="rect">
@@ -694,10 +698,10 @@
       </p:grpSpPr>
       <p:sp>
         <p:nvSpPr>
-          <p:cNvPr id="93" name="“Type a quote here.”"/>
+          <p:cNvPr id="93" name="Body Level One…"/>
           <p:cNvSpPr txBox="1"/>
           <p:nvPr>
-            <p:ph type="body" sz="quarter" idx="13"/>
+            <p:ph type="body" sz="quarter" idx="1"/>
           </p:nvPr>
         </p:nvSpPr>
         <p:spPr>
@@ -710,9 +714,7 @@
           </a:prstGeom>
         </p:spPr>
         <p:txBody>
-          <a:bodyPr>
-            <a:spAutoFit/>
-          </a:bodyPr>
+          <a:bodyPr/>
           <a:lstStyle>
             <a:lvl1pPr marL="0" indent="0" algn="ctr">
               <a:spcBef>
@@ -726,11 +728,87 @@
                 </a:solidFill>
               </a:defRPr>
             </a:lvl1pPr>
+            <a:lvl2pPr marL="1187173" indent="-552173" algn="ctr">
+              <a:spcBef>
+                <a:spcPts val="0"/>
+              </a:spcBef>
+              <a:buBlip>
+                <a:blip r:embed="rId2"/>
+              </a:buBlip>
+              <a:defRPr sz="4000">
+                <a:solidFill>
+                  <a:srgbClr val="45A7DE"/>
+                </a:solidFill>
+              </a:defRPr>
+            </a:lvl2pPr>
+            <a:lvl3pPr marL="1822173" indent="-552173" algn="ctr">
+              <a:spcBef>
+                <a:spcPts val="0"/>
+              </a:spcBef>
+              <a:buBlip>
+                <a:blip r:embed="rId2"/>
+              </a:buBlip>
+              <a:defRPr sz="4000">
+                <a:solidFill>
+                  <a:srgbClr val="45A7DE"/>
+                </a:solidFill>
+              </a:defRPr>
+            </a:lvl3pPr>
+            <a:lvl4pPr marL="2457173" indent="-552173" algn="ctr">
+              <a:spcBef>
+                <a:spcPts val="0"/>
+              </a:spcBef>
+              <a:buBlip>
+                <a:blip r:embed="rId2"/>
+              </a:buBlip>
+              <a:defRPr sz="4000">
+                <a:solidFill>
+                  <a:srgbClr val="45A7DE"/>
+                </a:solidFill>
+              </a:defRPr>
+            </a:lvl4pPr>
+            <a:lvl5pPr marL="3092173" indent="-552173" algn="ctr">
+              <a:spcBef>
+                <a:spcPts val="0"/>
+              </a:spcBef>
+              <a:buBlip>
+                <a:blip r:embed="rId2"/>
+              </a:buBlip>
+              <a:defRPr sz="4000">
+                <a:solidFill>
+                  <a:srgbClr val="45A7DE"/>
+                </a:solidFill>
+              </a:defRPr>
+            </a:lvl5pPr>
           </a:lstStyle>
           <a:p>
             <a:pPr/>
             <a:r>
-              <a:t>“Type a quote here.”</a:t>
+              <a:t>Body Level One</a:t>
+            </a:r>
+          </a:p>
+          <a:p>
+            <a:pPr lvl="1"/>
+            <a:r>
+              <a:t>Body Level Two</a:t>
+            </a:r>
+          </a:p>
+          <a:p>
+            <a:pPr lvl="2"/>
+            <a:r>
+              <a:t>Body Level Three</a:t>
+            </a:r>
+          </a:p>
+          <a:p>
+            <a:pPr lvl="3"/>
+            <a:r>
+              <a:t>Body Level Four</a:t>
+            </a:r>
+          </a:p>
+          <a:p>
+            <a:pPr lvl="4"/>
+            <a:r>
+              <a:t>Body Level Five</a:t>
             </a:r>
           </a:p>
         </p:txBody>
@@ -740,7 +818,7 @@
           <p:cNvPr id="94" name="–Johnny Appleseed"/>
           <p:cNvSpPr txBox="1"/>
           <p:nvPr>
-            <p:ph type="body" sz="quarter" idx="14"/>
+            <p:ph type="body" sz="quarter" idx="13"/>
           </p:nvPr>
         </p:nvSpPr>
         <p:spPr>
@@ -753,24 +831,17 @@
           </a:prstGeom>
         </p:spPr>
         <p:txBody>
-          <a:bodyPr anchor="t">
-            <a:spAutoFit/>
-          </a:bodyPr>
-          <a:lstStyle>
-            <a:lvl1pPr marL="0" indent="0" algn="ctr">
+          <a:bodyPr anchor="t"/>
+          <a:lstStyle/>
+          <a:p>
+            <a:pPr marL="0" indent="0" algn="ctr">
               <a:spcBef>
                 <a:spcPts val="0"/>
               </a:spcBef>
               <a:buSzTx/>
               <a:buNone/>
               <a:defRPr sz="3600"/>
-            </a:lvl1pPr>
-          </a:lstStyle>
-          <a:p>
-            <a:pPr/>
-            <a:r>
-              <a:t>–Johnny Appleseed</a:t>
-            </a:r>
+            </a:pPr>
           </a:p>
         </p:txBody>
       </p:sp>
@@ -833,7 +904,7 @@
         <p:spPr>
           <a:xfrm>
             <a:off x="-3464244" y="-635000"/>
-            <a:ext cx="19367501" cy="11194416"/>
+            <a:ext cx="19367502" cy="11194416"/>
           </a:xfrm>
           <a:prstGeom prst="rect">
             <a:avLst/>
@@ -955,15 +1026,12 @@
         </p:nvSpPr>
         <p:spPr>
           <a:xfrm>
-            <a:off x="1251740" y="186575"/>
-            <a:ext cx="11733220" cy="6781801"/>
+            <a:off x="1251739" y="186574"/>
+            <a:ext cx="11733222" cy="6781802"/>
           </a:xfrm>
           <a:prstGeom prst="rect">
             <a:avLst/>
           </a:prstGeom>
-          <a:ln w="9525">
-            <a:round/>
-          </a:ln>
         </p:spPr>
         <p:txBody>
           <a:bodyPr lIns="91439" tIns="45719" rIns="91439" bIns="45719" anchor="t">
@@ -1238,15 +1306,12 @@
         </p:nvSpPr>
         <p:spPr>
           <a:xfrm>
-            <a:off x="3537608" y="526453"/>
-            <a:ext cx="14699482" cy="8496301"/>
+            <a:off x="3537608" y="526452"/>
+            <a:ext cx="14699483" cy="8496302"/>
           </a:xfrm>
           <a:prstGeom prst="rect">
             <a:avLst/>
           </a:prstGeom>
-          <a:ln w="9525">
-            <a:round/>
-          </a:ln>
         </p:spPr>
         <p:txBody>
           <a:bodyPr lIns="91439" tIns="45719" rIns="91439" bIns="45719" anchor="t">
@@ -1436,6 +1501,10 @@
           </p:nvPr>
         </p:nvSpPr>
         <p:spPr>
+          <a:xfrm>
+            <a:off x="1270000" y="254000"/>
+            <a:ext cx="10464800" cy="2438400"/>
+          </a:xfrm>
           <a:prstGeom prst="rect">
             <a:avLst/>
           </a:prstGeom>
@@ -1508,6 +1577,10 @@
           </p:nvPr>
         </p:nvSpPr>
         <p:spPr>
+          <a:xfrm>
+            <a:off x="1270000" y="254000"/>
+            <a:ext cx="10464800" cy="2438400"/>
+          </a:xfrm>
           <a:prstGeom prst="rect">
             <a:avLst/>
           </a:prstGeom>
@@ -1659,15 +1732,12 @@
         </p:nvSpPr>
         <p:spPr>
           <a:xfrm>
-            <a:off x="4885059" y="2174011"/>
-            <a:ext cx="11381663" cy="6578601"/>
+            <a:off x="4885059" y="2174010"/>
+            <a:ext cx="11381663" cy="6578602"/>
           </a:xfrm>
           <a:prstGeom prst="rect">
             <a:avLst/>
           </a:prstGeom>
-          <a:ln w="9525">
-            <a:round/>
-          </a:ln>
         </p:spPr>
         <p:txBody>
           <a:bodyPr lIns="91439" tIns="45719" rIns="91439" bIns="45719" anchor="t">
@@ -1688,6 +1758,10 @@
           </p:nvPr>
         </p:nvSpPr>
         <p:spPr>
+          <a:xfrm>
+            <a:off x="1270000" y="254000"/>
+            <a:ext cx="10464800" cy="2438400"/>
+          </a:xfrm>
           <a:prstGeom prst="rect">
             <a:avLst/>
           </a:prstGeom>
@@ -1985,16 +2059,13 @@
           </p:nvPr>
         </p:nvSpPr>
         <p:spPr>
-          <a:xfrm rot="21600000">
-            <a:off x="3607274" y="-1552244"/>
-            <a:ext cx="10164705" cy="10164677"/>
+          <a:xfrm>
+            <a:off x="3607274" y="-1552245"/>
+            <a:ext cx="10164706" cy="10164679"/>
           </a:xfrm>
           <a:prstGeom prst="rect">
             <a:avLst/>
           </a:prstGeom>
-          <a:ln w="9525">
-            <a:round/>
-          </a:ln>
         </p:spPr>
         <p:txBody>
           <a:bodyPr lIns="91439" tIns="45719" rIns="91439" bIns="45719" anchor="t">
@@ -2015,16 +2086,13 @@
           </p:nvPr>
         </p:nvSpPr>
         <p:spPr>
-          <a:xfrm rot="21600000">
-            <a:off x="5129370" y="3826892"/>
-            <a:ext cx="9821627" cy="5676901"/>
+          <a:xfrm>
+            <a:off x="5129369" y="3826891"/>
+            <a:ext cx="9821628" cy="5676903"/>
           </a:xfrm>
           <a:prstGeom prst="rect">
             <a:avLst/>
           </a:prstGeom>
-          <a:ln w="9525">
-            <a:round/>
-          </a:ln>
         </p:spPr>
         <p:txBody>
           <a:bodyPr lIns="91439" tIns="45719" rIns="91439" bIns="45719" anchor="t">
@@ -2052,9 +2120,6 @@
           <a:prstGeom prst="rect">
             <a:avLst/>
           </a:prstGeom>
-          <a:ln w="9525">
-            <a:round/>
-          </a:ln>
         </p:spPr>
         <p:txBody>
           <a:bodyPr lIns="91439" tIns="45719" rIns="91439" bIns="45719" anchor="t">
@@ -2223,8 +2288,8 @@
         </p:nvSpPr>
         <p:spPr>
           <a:xfrm>
-            <a:off x="1270000" y="254000"/>
-            <a:ext cx="10464800" cy="2438400"/>
+            <a:off x="1948462" y="1950720"/>
+            <a:ext cx="10403841" cy="661529"/>
           </a:xfrm>
           <a:prstGeom prst="rect">
             <a:avLst/>
@@ -2330,9 +2395,9 @@
             <a:srgbClr val="45A7DE"/>
           </a:solidFill>
           <a:uFillTx/>
-          <a:latin typeface="+mn-lt"/>
-          <a:ea typeface="+mn-ea"/>
-          <a:cs typeface="+mn-cs"/>
+          <a:latin typeface="Marker Felt"/>
+          <a:ea typeface="Marker Felt"/>
+          <a:cs typeface="Marker Felt"/>
           <a:sym typeface="Marker Felt"/>
         </a:defRPr>
       </a:lvl1pPr>
@@ -2356,9 +2421,9 @@
             <a:srgbClr val="45A7DE"/>
           </a:solidFill>
           <a:uFillTx/>
-          <a:latin typeface="+mn-lt"/>
-          <a:ea typeface="+mn-ea"/>
-          <a:cs typeface="+mn-cs"/>
+          <a:latin typeface="Marker Felt"/>
+          <a:ea typeface="Marker Felt"/>
+          <a:cs typeface="Marker Felt"/>
           <a:sym typeface="Marker Felt"/>
         </a:defRPr>
       </a:lvl2pPr>
@@ -2382,9 +2447,9 @@
             <a:srgbClr val="45A7DE"/>
           </a:solidFill>
           <a:uFillTx/>
-          <a:latin typeface="+mn-lt"/>
-          <a:ea typeface="+mn-ea"/>
-          <a:cs typeface="+mn-cs"/>
+          <a:latin typeface="Marker Felt"/>
+          <a:ea typeface="Marker Felt"/>
+          <a:cs typeface="Marker Felt"/>
           <a:sym typeface="Marker Felt"/>
         </a:defRPr>
       </a:lvl3pPr>
@@ -2408,9 +2473,9 @@
             <a:srgbClr val="45A7DE"/>
           </a:solidFill>
           <a:uFillTx/>
-          <a:latin typeface="+mn-lt"/>
-          <a:ea typeface="+mn-ea"/>
-          <a:cs typeface="+mn-cs"/>
+          <a:latin typeface="Marker Felt"/>
+          <a:ea typeface="Marker Felt"/>
+          <a:cs typeface="Marker Felt"/>
           <a:sym typeface="Marker Felt"/>
         </a:defRPr>
       </a:lvl4pPr>
@@ -2434,9 +2499,9 @@
             <a:srgbClr val="45A7DE"/>
           </a:solidFill>
           <a:uFillTx/>
-          <a:latin typeface="+mn-lt"/>
-          <a:ea typeface="+mn-ea"/>
-          <a:cs typeface="+mn-cs"/>
+          <a:latin typeface="Marker Felt"/>
+          <a:ea typeface="Marker Felt"/>
+          <a:cs typeface="Marker Felt"/>
           <a:sym typeface="Marker Felt"/>
         </a:defRPr>
       </a:lvl5pPr>
@@ -2460,9 +2525,9 @@
             <a:srgbClr val="45A7DE"/>
           </a:solidFill>
           <a:uFillTx/>
-          <a:latin typeface="+mn-lt"/>
-          <a:ea typeface="+mn-ea"/>
-          <a:cs typeface="+mn-cs"/>
+          <a:latin typeface="Marker Felt"/>
+          <a:ea typeface="Marker Felt"/>
+          <a:cs typeface="Marker Felt"/>
           <a:sym typeface="Marker Felt"/>
         </a:defRPr>
       </a:lvl6pPr>
@@ -2486,9 +2551,9 @@
             <a:srgbClr val="45A7DE"/>
           </a:solidFill>
           <a:uFillTx/>
-          <a:latin typeface="+mn-lt"/>
-          <a:ea typeface="+mn-ea"/>
-          <a:cs typeface="+mn-cs"/>
+          <a:latin typeface="Marker Felt"/>
+          <a:ea typeface="Marker Felt"/>
+          <a:cs typeface="Marker Felt"/>
           <a:sym typeface="Marker Felt"/>
         </a:defRPr>
       </a:lvl7pPr>
@@ -2512,9 +2577,9 @@
             <a:srgbClr val="45A7DE"/>
           </a:solidFill>
           <a:uFillTx/>
-          <a:latin typeface="+mn-lt"/>
-          <a:ea typeface="+mn-ea"/>
-          <a:cs typeface="+mn-cs"/>
+          <a:latin typeface="Marker Felt"/>
+          <a:ea typeface="Marker Felt"/>
+          <a:cs typeface="Marker Felt"/>
           <a:sym typeface="Marker Felt"/>
         </a:defRPr>
       </a:lvl8pPr>
@@ -2538,9 +2603,9 @@
             <a:srgbClr val="45A7DE"/>
           </a:solidFill>
           <a:uFillTx/>
-          <a:latin typeface="+mn-lt"/>
-          <a:ea typeface="+mn-ea"/>
-          <a:cs typeface="+mn-cs"/>
+          <a:latin typeface="Marker Felt"/>
+          <a:ea typeface="Marker Felt"/>
+          <a:cs typeface="Marker Felt"/>
           <a:sym typeface="Marker Felt"/>
         </a:defRPr>
       </a:lvl9pPr>
@@ -2568,9 +2633,9 @@
             <a:srgbClr val="858585"/>
           </a:solidFill>
           <a:uFillTx/>
-          <a:latin typeface="+mn-lt"/>
-          <a:ea typeface="+mn-ea"/>
-          <a:cs typeface="+mn-cs"/>
+          <a:latin typeface="Marker Felt"/>
+          <a:ea typeface="Marker Felt"/>
+          <a:cs typeface="Marker Felt"/>
           <a:sym typeface="Marker Felt"/>
         </a:defRPr>
       </a:lvl1pPr>
@@ -2596,9 +2661,9 @@
             <a:srgbClr val="858585"/>
           </a:solidFill>
           <a:uFillTx/>
-          <a:latin typeface="+mn-lt"/>
-          <a:ea typeface="+mn-ea"/>
-          <a:cs typeface="+mn-cs"/>
+          <a:latin typeface="Marker Felt"/>
+          <a:ea typeface="Marker Felt"/>
+          <a:cs typeface="Marker Felt"/>
           <a:sym typeface="Marker Felt"/>
         </a:defRPr>
       </a:lvl2pPr>
@@ -2624,9 +2689,9 @@
             <a:srgbClr val="858585"/>
           </a:solidFill>
           <a:uFillTx/>
-          <a:latin typeface="+mn-lt"/>
-          <a:ea typeface="+mn-ea"/>
-          <a:cs typeface="+mn-cs"/>
+          <a:latin typeface="Marker Felt"/>
+          <a:ea typeface="Marker Felt"/>
+          <a:cs typeface="Marker Felt"/>
           <a:sym typeface="Marker Felt"/>
         </a:defRPr>
       </a:lvl3pPr>
@@ -2652,9 +2717,9 @@
             <a:srgbClr val="858585"/>
           </a:solidFill>
           <a:uFillTx/>
-          <a:latin typeface="+mn-lt"/>
-          <a:ea typeface="+mn-ea"/>
-          <a:cs typeface="+mn-cs"/>
+          <a:latin typeface="Marker Felt"/>
+          <a:ea typeface="Marker Felt"/>
+          <a:cs typeface="Marker Felt"/>
           <a:sym typeface="Marker Felt"/>
         </a:defRPr>
       </a:lvl4pPr>
@@ -2680,9 +2745,9 @@
             <a:srgbClr val="858585"/>
           </a:solidFill>
           <a:uFillTx/>
-          <a:latin typeface="+mn-lt"/>
-          <a:ea typeface="+mn-ea"/>
-          <a:cs typeface="+mn-cs"/>
+          <a:latin typeface="Marker Felt"/>
+          <a:ea typeface="Marker Felt"/>
+          <a:cs typeface="Marker Felt"/>
           <a:sym typeface="Marker Felt"/>
         </a:defRPr>
       </a:lvl5pPr>
@@ -2708,9 +2773,9 @@
             <a:srgbClr val="858585"/>
           </a:solidFill>
           <a:uFillTx/>
-          <a:latin typeface="+mn-lt"/>
-          <a:ea typeface="+mn-ea"/>
-          <a:cs typeface="+mn-cs"/>
+          <a:latin typeface="Marker Felt"/>
+          <a:ea typeface="Marker Felt"/>
+          <a:cs typeface="Marker Felt"/>
           <a:sym typeface="Marker Felt"/>
         </a:defRPr>
       </a:lvl6pPr>
@@ -2736,9 +2801,9 @@
             <a:srgbClr val="858585"/>
           </a:solidFill>
           <a:uFillTx/>
-          <a:latin typeface="+mn-lt"/>
-          <a:ea typeface="+mn-ea"/>
-          <a:cs typeface="+mn-cs"/>
+          <a:latin typeface="Marker Felt"/>
+          <a:ea typeface="Marker Felt"/>
+          <a:cs typeface="Marker Felt"/>
           <a:sym typeface="Marker Felt"/>
         </a:defRPr>
       </a:lvl7pPr>
@@ -2764,9 +2829,9 @@
             <a:srgbClr val="858585"/>
           </a:solidFill>
           <a:uFillTx/>
-          <a:latin typeface="+mn-lt"/>
-          <a:ea typeface="+mn-ea"/>
-          <a:cs typeface="+mn-cs"/>
+          <a:latin typeface="Marker Felt"/>
+          <a:ea typeface="Marker Felt"/>
+          <a:cs typeface="Marker Felt"/>
           <a:sym typeface="Marker Felt"/>
         </a:defRPr>
       </a:lvl8pPr>
@@ -2792,15 +2857,15 @@
             <a:srgbClr val="858585"/>
           </a:solidFill>
           <a:uFillTx/>
-          <a:latin typeface="+mn-lt"/>
-          <a:ea typeface="+mn-ea"/>
-          <a:cs typeface="+mn-cs"/>
+          <a:latin typeface="Marker Felt"/>
+          <a:ea typeface="Marker Felt"/>
+          <a:cs typeface="Marker Felt"/>
           <a:sym typeface="Marker Felt"/>
         </a:defRPr>
       </a:lvl9pPr>
     </p:bodyStyle>
     <p:otherStyle>
-      <a:lvl1pPr marL="0" marR="0" indent="0" algn="ctr" defTabSz="584200" latinLnBrk="0">
+      <a:lvl1pPr marL="0" marR="0" indent="0" algn="ctr" defTabSz="584200" rtl="0" latinLnBrk="0">
         <a:lnSpc>
           <a:spcPct val="100000"/>
         </a:lnSpc>
@@ -2826,7 +2891,7 @@
           <a:sym typeface="Marker Felt"/>
         </a:defRPr>
       </a:lvl1pPr>
-      <a:lvl2pPr marL="0" marR="0" indent="228600" algn="ctr" defTabSz="584200" latinLnBrk="0">
+      <a:lvl2pPr marL="0" marR="0" indent="0" algn="ctr" defTabSz="584200" rtl="0" latinLnBrk="0">
         <a:lnSpc>
           <a:spcPct val="100000"/>
         </a:lnSpc>
@@ -2852,7 +2917,7 @@
           <a:sym typeface="Marker Felt"/>
         </a:defRPr>
       </a:lvl2pPr>
-      <a:lvl3pPr marL="0" marR="0" indent="457200" algn="ctr" defTabSz="584200" latinLnBrk="0">
+      <a:lvl3pPr marL="0" marR="0" indent="0" algn="ctr" defTabSz="584200" rtl="0" latinLnBrk="0">
         <a:lnSpc>
           <a:spcPct val="100000"/>
         </a:lnSpc>
@@ -2878,7 +2943,7 @@
           <a:sym typeface="Marker Felt"/>
         </a:defRPr>
       </a:lvl3pPr>
-      <a:lvl4pPr marL="0" marR="0" indent="685800" algn="ctr" defTabSz="584200" latinLnBrk="0">
+      <a:lvl4pPr marL="0" marR="0" indent="0" algn="ctr" defTabSz="584200" rtl="0" latinLnBrk="0">
         <a:lnSpc>
           <a:spcPct val="100000"/>
         </a:lnSpc>
@@ -2904,7 +2969,7 @@
           <a:sym typeface="Marker Felt"/>
         </a:defRPr>
       </a:lvl4pPr>
-      <a:lvl5pPr marL="0" marR="0" indent="914400" algn="ctr" defTabSz="584200" latinLnBrk="0">
+      <a:lvl5pPr marL="0" marR="0" indent="0" algn="ctr" defTabSz="584200" rtl="0" latinLnBrk="0">
         <a:lnSpc>
           <a:spcPct val="100000"/>
         </a:lnSpc>
@@ -2930,7 +2995,7 @@
           <a:sym typeface="Marker Felt"/>
         </a:defRPr>
       </a:lvl5pPr>
-      <a:lvl6pPr marL="0" marR="0" indent="1143000" algn="ctr" defTabSz="584200" latinLnBrk="0">
+      <a:lvl6pPr marL="0" marR="0" indent="0" algn="ctr" defTabSz="584200" rtl="0" latinLnBrk="0">
         <a:lnSpc>
           <a:spcPct val="100000"/>
         </a:lnSpc>
@@ -2956,7 +3021,7 @@
           <a:sym typeface="Marker Felt"/>
         </a:defRPr>
       </a:lvl6pPr>
-      <a:lvl7pPr marL="0" marR="0" indent="1371600" algn="ctr" defTabSz="584200" latinLnBrk="0">
+      <a:lvl7pPr marL="0" marR="0" indent="0" algn="ctr" defTabSz="584200" rtl="0" latinLnBrk="0">
         <a:lnSpc>
           <a:spcPct val="100000"/>
         </a:lnSpc>
@@ -2982,7 +3047,7 @@
           <a:sym typeface="Marker Felt"/>
         </a:defRPr>
       </a:lvl7pPr>
-      <a:lvl8pPr marL="0" marR="0" indent="1600200" algn="ctr" defTabSz="584200" latinLnBrk="0">
+      <a:lvl8pPr marL="0" marR="0" indent="0" algn="ctr" defTabSz="584200" rtl="0" latinLnBrk="0">
         <a:lnSpc>
           <a:spcPct val="100000"/>
         </a:lnSpc>
@@ -3008,7 +3073,7 @@
           <a:sym typeface="Marker Felt"/>
         </a:defRPr>
       </a:lvl8pPr>
-      <a:lvl9pPr marL="0" marR="0" indent="1828800" algn="ctr" defTabSz="584200" latinLnBrk="0">
+      <a:lvl9pPr marL="0" marR="0" indent="0" algn="ctr" defTabSz="584200" rtl="0" latinLnBrk="0">
         <a:lnSpc>
           <a:spcPct val="100000"/>
         </a:lnSpc>
@@ -3139,6 +3204,252 @@
 </p:sld>
 </file>
 
+<file path=ppt/slides/slide10.xml><?xml version="1.0" encoding="utf-8"?>
+<p:sld xmlns:a="http://schemas.openxmlformats.org/drawingml/2006/main" xmlns:r="http://schemas.openxmlformats.org/officeDocument/2006/relationships" xmlns:p="http://schemas.openxmlformats.org/presentationml/2006/main" xmlns:m="http://schemas.openxmlformats.org/officeDocument/2006/math" xmlns:a14="http://schemas.microsoft.com/office/drawing/2010/main" showMasterSp="1" showMasterPhAnim="1">
+  <p:cSld>
+    <p:spTree>
+      <p:nvGrpSpPr>
+        <p:cNvPr id="1" name=""/>
+        <p:cNvGrpSpPr/>
+        <p:nvPr/>
+      </p:nvGrpSpPr>
+      <p:grpSpPr>
+        <a:xfrm>
+          <a:off x="0" y="0"/>
+          <a:ext cx="0" cy="0"/>
+          <a:chOff x="0" y="0"/>
+          <a:chExt cx="0" cy="0"/>
+        </a:xfrm>
+      </p:grpSpPr>
+      <p:sp>
+        <p:nvSpPr>
+          <p:cNvPr id="147" name="Main reason behind"/>
+          <p:cNvSpPr txBox="1"/>
+          <p:nvPr>
+            <p:ph type="title"/>
+          </p:nvPr>
+        </p:nvSpPr>
+        <p:spPr>
+          <a:prstGeom prst="rect">
+            <a:avLst/>
+          </a:prstGeom>
+        </p:spPr>
+        <p:txBody>
+          <a:bodyPr/>
+          <a:lstStyle/>
+          <a:p>
+            <a:pPr/>
+            <a:r>
+              <a:t>Main reason behind</a:t>
+            </a:r>
+          </a:p>
+        </p:txBody>
+      </p:sp>
+      <p:sp>
+        <p:nvSpPr>
+          <p:cNvPr id="148" name="To be able to catch real time updates and inputs…"/>
+          <p:cNvSpPr txBox="1"/>
+          <p:nvPr>
+            <p:ph type="body" idx="1"/>
+          </p:nvPr>
+        </p:nvSpPr>
+        <p:spPr>
+          <a:prstGeom prst="rect">
+            <a:avLst/>
+          </a:prstGeom>
+        </p:spPr>
+        <p:txBody>
+          <a:bodyPr/>
+          <a:lstStyle/>
+          <a:p>
+            <a:pPr>
+              <a:buBlip>
+                <a:blip r:embed="rId2"/>
+              </a:buBlip>
+            </a:pPr>
+            <a:r>
+              <a:t>To be able to catch real time updates and inputs</a:t>
+            </a:r>
+          </a:p>
+          <a:p>
+            <a:pPr>
+              <a:buBlip>
+                <a:blip r:embed="rId2"/>
+              </a:buBlip>
+            </a:pPr>
+            <a:r>
+              <a:t>To be able to point out overdue ones.</a:t>
+            </a:r>
+          </a:p>
+        </p:txBody>
+      </p:sp>
+    </p:spTree>
+  </p:cSld>
+  <p:clrMapOvr>
+    <a:masterClrMapping/>
+  </p:clrMapOvr>
+  <p:transition xmlns:p14="http://schemas.microsoft.com/office/powerpoint/2010/main" spd="med" advClick="1"/>
+</p:sld>
+</file>
+
+<file path=ppt/slides/slide11.xml><?xml version="1.0" encoding="utf-8"?>
+<p:sld xmlns:a="http://schemas.openxmlformats.org/drawingml/2006/main" xmlns:r="http://schemas.openxmlformats.org/officeDocument/2006/relationships" xmlns:p="http://schemas.openxmlformats.org/presentationml/2006/main" xmlns:m="http://schemas.openxmlformats.org/officeDocument/2006/math" xmlns:a14="http://schemas.microsoft.com/office/drawing/2010/main" showMasterSp="1" showMasterPhAnim="1">
+  <p:cSld>
+    <p:spTree>
+      <p:nvGrpSpPr>
+        <p:cNvPr id="1" name=""/>
+        <p:cNvGrpSpPr/>
+        <p:nvPr/>
+      </p:nvGrpSpPr>
+      <p:grpSpPr>
+        <a:xfrm>
+          <a:off x="0" y="0"/>
+          <a:ext cx="0" cy="0"/>
+          <a:chOff x="0" y="0"/>
+          <a:chExt cx="0" cy="0"/>
+        </a:xfrm>
+      </p:grpSpPr>
+      <p:sp>
+        <p:nvSpPr>
+          <p:cNvPr id="150" name="Used materials"/>
+          <p:cNvSpPr txBox="1"/>
+          <p:nvPr>
+            <p:ph type="title"/>
+          </p:nvPr>
+        </p:nvSpPr>
+        <p:spPr>
+          <a:prstGeom prst="rect">
+            <a:avLst/>
+          </a:prstGeom>
+        </p:spPr>
+        <p:txBody>
+          <a:bodyPr/>
+          <a:lstStyle/>
+          <a:p>
+            <a:pPr lvl="1"/>
+            <a:r>
+              <a:t>Used materials</a:t>
+            </a:r>
+          </a:p>
+        </p:txBody>
+      </p:sp>
+      <p:sp>
+        <p:nvSpPr>
+          <p:cNvPr id="151" name="DWM Research paper given by the professor…"/>
+          <p:cNvSpPr txBox="1"/>
+          <p:nvPr>
+            <p:ph type="body" idx="1"/>
+          </p:nvPr>
+        </p:nvSpPr>
+        <p:spPr>
+          <a:prstGeom prst="rect">
+            <a:avLst/>
+          </a:prstGeom>
+        </p:spPr>
+        <p:txBody>
+          <a:bodyPr/>
+          <a:lstStyle/>
+          <a:p>
+            <a:pPr>
+              <a:buBlip>
+                <a:blip r:embed="rId2"/>
+              </a:buBlip>
+            </a:pPr>
+            <a:r>
+              <a:t>DWM Research paper given by the professor</a:t>
+            </a:r>
+          </a:p>
+          <a:p>
+            <a:pPr>
+              <a:buBlip>
+                <a:blip r:embed="rId2"/>
+              </a:buBlip>
+            </a:pPr>
+            <a:r>
+              <a:t>Google</a:t>
+            </a:r>
+          </a:p>
+          <a:p>
+            <a:pPr>
+              <a:buBlip>
+                <a:blip r:embed="rId2"/>
+              </a:buBlip>
+            </a:pPr>
+            <a:r>
+              <a:t>Github</a:t>
+            </a:r>
+          </a:p>
+          <a:p>
+            <a:pPr>
+              <a:buBlip>
+                <a:blip r:embed="rId2"/>
+              </a:buBlip>
+            </a:pPr>
+            <a:r>
+              <a:t>Kaggle</a:t>
+            </a:r>
+          </a:p>
+        </p:txBody>
+      </p:sp>
+    </p:spTree>
+  </p:cSld>
+  <p:clrMapOvr>
+    <a:masterClrMapping/>
+  </p:clrMapOvr>
+  <p:transition xmlns:p14="http://schemas.microsoft.com/office/powerpoint/2010/main" spd="med" advClick="1"/>
+</p:sld>
+</file>
+
+<file path=ppt/slides/slide12.xml><?xml version="1.0" encoding="utf-8"?>
+<p:sld xmlns:a="http://schemas.openxmlformats.org/drawingml/2006/main" xmlns:r="http://schemas.openxmlformats.org/officeDocument/2006/relationships" xmlns:p="http://schemas.openxmlformats.org/presentationml/2006/main" xmlns:m="http://schemas.openxmlformats.org/officeDocument/2006/math" xmlns:a14="http://schemas.microsoft.com/office/drawing/2010/main" showMasterSp="1" showMasterPhAnim="1">
+  <p:cSld>
+    <p:spTree>
+      <p:nvGrpSpPr>
+        <p:cNvPr id="1" name=""/>
+        <p:cNvGrpSpPr/>
+        <p:nvPr/>
+      </p:nvGrpSpPr>
+      <p:grpSpPr>
+        <a:xfrm>
+          <a:off x="0" y="0"/>
+          <a:ext cx="0" cy="0"/>
+          <a:chOff x="0" y="0"/>
+          <a:chExt cx="0" cy="0"/>
+        </a:xfrm>
+      </p:grpSpPr>
+      <p:sp>
+        <p:nvSpPr>
+          <p:cNvPr id="153" name="Thank you for your attention."/>
+          <p:cNvSpPr txBox="1"/>
+          <p:nvPr>
+            <p:ph type="title"/>
+          </p:nvPr>
+        </p:nvSpPr>
+        <p:spPr>
+          <a:prstGeom prst="rect">
+            <a:avLst/>
+          </a:prstGeom>
+        </p:spPr>
+        <p:txBody>
+          <a:bodyPr/>
+          <a:lstStyle/>
+          <a:p>
+            <a:pPr/>
+            <a:r>
+              <a:t>Thank you for your attention.</a:t>
+            </a:r>
+          </a:p>
+        </p:txBody>
+      </p:sp>
+    </p:spTree>
+  </p:cSld>
+  <p:clrMapOvr>
+    <a:masterClrMapping/>
+  </p:clrMapOvr>
+  <p:transition xmlns:p14="http://schemas.microsoft.com/office/powerpoint/2010/main" spd="med" advClick="1"/>
+</p:sld>
+</file>
+
 <file path=ppt/slides/slide2.xml><?xml version="1.0" encoding="utf-8"?>
 <p:sld xmlns:a="http://schemas.openxmlformats.org/drawingml/2006/main" xmlns:r="http://schemas.openxmlformats.org/officeDocument/2006/relationships" xmlns:p="http://schemas.openxmlformats.org/presentationml/2006/main" xmlns:m="http://schemas.openxmlformats.org/officeDocument/2006/math" xmlns:a14="http://schemas.microsoft.com/office/drawing/2010/main" showMasterSp="1" showMasterPhAnim="1">
   <p:cSld>
@@ -3158,7 +3469,7 @@
       </p:grpSpPr>
       <p:sp>
         <p:nvSpPr>
-          <p:cNvPr id="122" name="What is a DWM Algorithm?"/>
+          <p:cNvPr id="122" name="Concept drift"/>
           <p:cNvSpPr txBox="1"/>
           <p:nvPr>
             <p:ph type="title"/>
@@ -3175,37 +3486,56 @@
           <a:p>
             <a:pPr/>
             <a:r>
-              <a:t>What is a DWM Algorithm?</a:t>
+              <a:t>Concept drift</a:t>
             </a:r>
           </a:p>
         </p:txBody>
       </p:sp>
       <p:sp>
         <p:nvSpPr>
-          <p:cNvPr id="123" name="Dynamic weighted majority (DWM) maintains an ensemble of base learners, predicts using a weighted-majority vote of these &quot;experts&quot;, and dynamically creates and deletes experts in response to changes in performance."/>
+          <p:cNvPr id="123" name="Concept drift means that the statistical properties of the target variable, which the model is trying to predict, change over time in unforeseen ways. This causes problems because the predictions become less accurate as time passes"/>
           <p:cNvSpPr txBox="1"/>
-          <p:nvPr>
-            <p:ph type="body" idx="1"/>
-          </p:nvPr>
+          <p:nvPr/>
         </p:nvSpPr>
         <p:spPr>
+          <a:xfrm>
+            <a:off x="-25400" y="2778484"/>
+            <a:ext cx="13055601" cy="2349501"/>
+          </a:xfrm>
           <a:prstGeom prst="rect">
             <a:avLst/>
           </a:prstGeom>
+          <a:ln w="12700">
+            <a:miter lim="400000"/>
+          </a:ln>
+          <a:extLst>
+            <a:ext uri="{C572A759-6A51-4108-AA02-DFA0A04FC94B}">
+              <ma14:wrappingTextBoxFlag xmlns:ma14="http://schemas.microsoft.com/office/mac/drawingml/2011/main" val="1"/>
+            </a:ext>
+          </a:extLst>
         </p:spPr>
         <p:txBody>
-          <a:bodyPr/>
-          <a:lstStyle>
-            <a:lvl1pPr>
-              <a:buBlip>
-                <a:blip r:embed="rId2"/>
-              </a:buBlip>
-            </a:lvl1pPr>
-          </a:lstStyle>
-          <a:p>
-            <a:pPr/>
-            <a:r>
-              <a:t> Dynamic weighted majority (DWM) maintains an ensemble of base learners, predicts using a weighted-majority vote of these "experts", and dynamically creates and deletes experts in response to changes in performance.</a:t>
+          <a:bodyPr wrap="none" lIns="50800" tIns="50800" rIns="50800" bIns="50800" anchor="ctr">
+            <a:spAutoFit/>
+          </a:bodyPr>
+          <a:lstStyle/>
+          <a:p>
+            <a:pPr>
+              <a:defRPr>
+                <a:solidFill>
+                  <a:srgbClr val="858585"/>
+                </a:solidFill>
+              </a:defRPr>
+            </a:pPr>
+            <a:r>
+              <a:t>C</a:t>
+            </a:r>
+            <a:r>
+              <a:rPr b="1"/>
+              <a:t>oncept drift</a:t>
+            </a:r>
+            <a:r>
+              <a:t> means that the statistical properties of the target variable, which the model is trying to predict, change over time in unforeseen ways. This causes problems because the predictions become less accurate as time passes</a:t>
             </a:r>
           </a:p>
         </p:txBody>
@@ -3238,7 +3568,7 @@
       </p:grpSpPr>
       <p:sp>
         <p:nvSpPr>
-          <p:cNvPr id="125" name="Most usual experiments"/>
+          <p:cNvPr id="125" name="What is a DWM Algorithm?"/>
           <p:cNvSpPr txBox="1"/>
           <p:nvPr>
             <p:ph type="title"/>
@@ -3255,14 +3585,14 @@
           <a:p>
             <a:pPr/>
             <a:r>
-              <a:t>Most usual experiments</a:t>
+              <a:t>What is a DWM Algorithm?</a:t>
             </a:r>
           </a:p>
         </p:txBody>
       </p:sp>
       <p:sp>
         <p:nvSpPr>
-          <p:cNvPr id="126" name="Stagger…"/>
+          <p:cNvPr id="126" name="Dynamic weighted majority (DWM) maintains an ensemble of base learners, predicts using a weighted-majority vote of these &quot;experts&quot;, and dynamically creates and deletes experts in response to changes in performance."/>
           <p:cNvSpPr txBox="1"/>
           <p:nvPr>
             <p:ph type="body" idx="1"/>
@@ -3275,25 +3605,17 @@
         </p:spPr>
         <p:txBody>
           <a:bodyPr/>
-          <a:lstStyle/>
-          <a:p>
-            <a:pPr>
+          <a:lstStyle>
+            <a:lvl1pPr>
               <a:buBlip>
                 <a:blip r:embed="rId2"/>
               </a:buBlip>
-            </a:pPr>
-            <a:r>
-              <a:t>Stagger</a:t>
-            </a:r>
-          </a:p>
-          <a:p>
-            <a:pPr>
-              <a:buBlip>
-                <a:blip r:embed="rId2"/>
-              </a:buBlip>
-            </a:pPr>
-            <a:r>
-              <a:t>SEA</a:t>
+            </a:lvl1pPr>
+          </a:lstStyle>
+          <a:p>
+            <a:pPr/>
+            <a:r>
+              <a:t> Dynamic weighted majority (DWM) maintains an ensemble of base learners, predicts using a weighted-majority vote of these "experts", and dynamically creates and deletes experts in response to changes in performance.</a:t>
             </a:r>
           </a:p>
         </p:txBody>
@@ -3326,7 +3648,7 @@
       </p:grpSpPr>
       <p:sp>
         <p:nvSpPr>
-          <p:cNvPr id="128" name="Main reason behind"/>
+          <p:cNvPr id="128" name="Algorithm"/>
           <p:cNvSpPr txBox="1"/>
           <p:nvPr>
             <p:ph type="title"/>
@@ -3343,17 +3665,17 @@
           <a:p>
             <a:pPr/>
             <a:r>
-              <a:t>Main reason behind</a:t>
+              <a:t>Algorithm</a:t>
             </a:r>
           </a:p>
         </p:txBody>
       </p:sp>
       <p:sp>
         <p:nvSpPr>
-          <p:cNvPr id="129" name="To be able to catch real time updates and inputs…"/>
+          <p:cNvPr id="129" name="Dynamic-Weighted-Majority"/>
           <p:cNvSpPr txBox="1"/>
           <p:nvPr>
-            <p:ph type="body" idx="1"/>
+            <p:ph type="body" sz="quarter" idx="1"/>
           </p:nvPr>
         </p:nvSpPr>
         <p:spPr>
@@ -3365,27 +3687,42 @@
           <a:bodyPr/>
           <a:lstStyle/>
           <a:p>
-            <a:pPr>
-              <a:buBlip>
-                <a:blip r:embed="rId2"/>
-              </a:buBlip>
-            </a:pPr>
-            <a:r>
-              <a:t>To be able to catch real time updates and inputs</a:t>
-            </a:r>
-          </a:p>
-          <a:p>
-            <a:pPr>
-              <a:buBlip>
-                <a:blip r:embed="rId2"/>
-              </a:buBlip>
-            </a:pPr>
-            <a:r>
-              <a:t>To be able to delete overdue ones.</a:t>
+            <a:pPr/>
+            <a:r>
+              <a:t>Dynamic-Weighted-Majority</a:t>
             </a:r>
           </a:p>
         </p:txBody>
       </p:sp>
+      <p:pic>
+        <p:nvPicPr>
+          <p:cNvPr id="130" name="996C2274-CD10-46CA-A593-8FC101682498.jpeg" descr="996C2274-CD10-46CA-A593-8FC101682498.jpeg"/>
+          <p:cNvPicPr>
+            <a:picLocks noChangeAspect="1"/>
+          </p:cNvPicPr>
+          <p:nvPr/>
+        </p:nvPicPr>
+        <p:blipFill>
+          <a:blip r:embed="rId2">
+            <a:extLst/>
+          </a:blip>
+          <a:stretch>
+            <a:fillRect/>
+          </a:stretch>
+        </p:blipFill>
+        <p:spPr>
+          <a:xfrm>
+            <a:off x="6412167" y="1024133"/>
+            <a:ext cx="6509122" cy="7705335"/>
+          </a:xfrm>
+          <a:prstGeom prst="rect">
+            <a:avLst/>
+          </a:prstGeom>
+          <a:ln w="12700">
+            <a:miter lim="400000"/>
+          </a:ln>
+        </p:spPr>
+      </p:pic>
     </p:spTree>
   </p:cSld>
   <p:clrMapOvr>
@@ -3414,7 +3751,7 @@
       </p:grpSpPr>
       <p:sp>
         <p:nvSpPr>
-          <p:cNvPr id="131" name="Algorithm"/>
+          <p:cNvPr id="132" name="Most usual experiments"/>
           <p:cNvSpPr txBox="1"/>
           <p:nvPr>
             <p:ph type="title"/>
@@ -3431,17 +3768,17 @@
           <a:p>
             <a:pPr/>
             <a:r>
-              <a:t>Algorithm</a:t>
+              <a:t>Most usual experiments</a:t>
             </a:r>
           </a:p>
         </p:txBody>
       </p:sp>
       <p:sp>
         <p:nvSpPr>
-          <p:cNvPr id="132" name="Dynamic-Weighted-Majority"/>
+          <p:cNvPr id="133" name="Stagger…"/>
           <p:cNvSpPr txBox="1"/>
           <p:nvPr>
-            <p:ph type="body" sz="quarter" idx="1"/>
+            <p:ph type="body" idx="1"/>
           </p:nvPr>
         </p:nvSpPr>
         <p:spPr>
@@ -3453,42 +3790,27 @@
           <a:bodyPr/>
           <a:lstStyle/>
           <a:p>
-            <a:pPr/>
-            <a:r>
-              <a:t>Dynamic-Weighted-Majority</a:t>
+            <a:pPr>
+              <a:buBlip>
+                <a:blip r:embed="rId2"/>
+              </a:buBlip>
+            </a:pPr>
+            <a:r>
+              <a:t>Stagger</a:t>
+            </a:r>
+          </a:p>
+          <a:p>
+            <a:pPr>
+              <a:buBlip>
+                <a:blip r:embed="rId2"/>
+              </a:buBlip>
+            </a:pPr>
+            <a:r>
+              <a:t>SEA</a:t>
             </a:r>
           </a:p>
         </p:txBody>
       </p:sp>
-      <p:pic>
-        <p:nvPicPr>
-          <p:cNvPr id="133" name="996C2274-CD10-46CA-A593-8FC101682498.jpeg" descr="996C2274-CD10-46CA-A593-8FC101682498.jpeg"/>
-          <p:cNvPicPr>
-            <a:picLocks noChangeAspect="1"/>
-          </p:cNvPicPr>
-          <p:nvPr/>
-        </p:nvPicPr>
-        <p:blipFill>
-          <a:blip r:embed="rId2">
-            <a:extLst/>
-          </a:blip>
-          <a:stretch>
-            <a:fillRect/>
-          </a:stretch>
-        </p:blipFill>
-        <p:spPr>
-          <a:xfrm>
-            <a:off x="6412167" y="1024133"/>
-            <a:ext cx="6509121" cy="7705334"/>
-          </a:xfrm>
-          <a:prstGeom prst="rect">
-            <a:avLst/>
-          </a:prstGeom>
-          <a:ln w="12700">
-            <a:miter lim="400000"/>
-          </a:ln>
-        </p:spPr>
-      </p:pic>
     </p:spTree>
   </p:cSld>
   <p:clrMapOvr>
@@ -3517,7 +3839,7 @@
       </p:grpSpPr>
       <p:sp>
         <p:nvSpPr>
-          <p:cNvPr id="135" name="Specific data[Elmir]"/>
+          <p:cNvPr id="135" name="Stagger concept"/>
           <p:cNvSpPr txBox="1"/>
           <p:nvPr>
             <p:ph type="title"/>
@@ -3532,51 +3854,42 @@
           <a:bodyPr/>
           <a:lstStyle/>
           <a:p>
-            <a:pPr lvl="1"/>
-            <a:r>
-              <a:t>Specific data[Elmir]</a:t>
+            <a:pPr/>
+            <a:r>
+              <a:t>Stagger concept</a:t>
             </a:r>
           </a:p>
         </p:txBody>
       </p:sp>
-      <p:sp>
-        <p:nvSpPr>
-          <p:cNvPr id="136" name="Generating new data every runtime…"/>
-          <p:cNvSpPr txBox="1"/>
-          <p:nvPr>
-            <p:ph type="body" idx="1"/>
-          </p:nvPr>
-        </p:nvSpPr>
+      <p:pic>
+        <p:nvPicPr>
+          <p:cNvPr id="136" name="D6195AB5-BCB6-4696-839E-F4261AF78A51_4_5005_c.jpeg" descr="D6195AB5-BCB6-4696-839E-F4261AF78A51_4_5005_c.jpeg"/>
+          <p:cNvPicPr>
+            <a:picLocks noChangeAspect="1"/>
+          </p:cNvPicPr>
+          <p:nvPr/>
+        </p:nvPicPr>
+        <p:blipFill>
+          <a:blip r:embed="rId2">
+            <a:extLst/>
+          </a:blip>
+          <a:stretch>
+            <a:fillRect/>
+          </a:stretch>
+        </p:blipFill>
         <p:spPr>
+          <a:xfrm>
+            <a:off x="2291923" y="643982"/>
+            <a:ext cx="9182264" cy="5313671"/>
+          </a:xfrm>
           <a:prstGeom prst="rect">
             <a:avLst/>
           </a:prstGeom>
+          <a:ln w="12700">
+            <a:miter lim="400000"/>
+          </a:ln>
         </p:spPr>
-        <p:txBody>
-          <a:bodyPr/>
-          <a:lstStyle/>
-          <a:p>
-            <a:pPr>
-              <a:buBlip>
-                <a:blip r:embed="rId2"/>
-              </a:buBlip>
-            </a:pPr>
-            <a:r>
-              <a:t>Generating new data every runtime</a:t>
-            </a:r>
-          </a:p>
-          <a:p>
-            <a:pPr>
-              <a:buBlip>
-                <a:blip r:embed="rId2"/>
-              </a:buBlip>
-            </a:pPr>
-            <a:r>
-              <a:t>Identifying sleeping experts based on the consideration of the weights, days</a:t>
-            </a:r>
-          </a:p>
-        </p:txBody>
-      </p:sp>
+      </p:pic>
     </p:spTree>
   </p:cSld>
   <p:clrMapOvr>
@@ -3605,86 +3918,65 @@
       </p:grpSpPr>
       <p:sp>
         <p:nvSpPr>
-          <p:cNvPr id="138" name="Used materials"/>
+          <p:cNvPr id="138" name="Stagger approach vs NB"/>
           <p:cNvSpPr txBox="1"/>
           <p:nvPr>
             <p:ph type="title"/>
           </p:nvPr>
         </p:nvSpPr>
         <p:spPr>
+          <a:xfrm>
+            <a:off x="1270000" y="6379348"/>
+            <a:ext cx="10464801" cy="1651001"/>
+          </a:xfrm>
           <a:prstGeom prst="rect">
             <a:avLst/>
           </a:prstGeom>
         </p:spPr>
         <p:txBody>
           <a:bodyPr/>
-          <a:lstStyle/>
-          <a:p>
-            <a:pPr lvl="1"/>
-            <a:r>
-              <a:t>Used materials</a:t>
+          <a:lstStyle>
+            <a:lvl1pPr defTabSz="531622">
+              <a:defRPr sz="8645"/>
+            </a:lvl1pPr>
+          </a:lstStyle>
+          <a:p>
+            <a:pPr/>
+            <a:r>
+              <a:t>Stagger approach vs NB</a:t>
             </a:r>
           </a:p>
         </p:txBody>
       </p:sp>
-      <p:sp>
-        <p:nvSpPr>
-          <p:cNvPr id="139" name="DWM Research paper given by the professor…"/>
-          <p:cNvSpPr txBox="1"/>
-          <p:nvPr>
-            <p:ph type="body" idx="1"/>
-          </p:nvPr>
-        </p:nvSpPr>
+      <p:pic>
+        <p:nvPicPr>
+          <p:cNvPr id="139" name="Unknown.png" descr="Unknown.png"/>
+          <p:cNvPicPr>
+            <a:picLocks noChangeAspect="1"/>
+          </p:cNvPicPr>
+          <p:nvPr/>
+        </p:nvPicPr>
+        <p:blipFill>
+          <a:blip r:embed="rId2">
+            <a:extLst/>
+          </a:blip>
+          <a:stretch>
+            <a:fillRect/>
+          </a:stretch>
+        </p:blipFill>
         <p:spPr>
+          <a:xfrm>
+            <a:off x="2046264" y="443336"/>
+            <a:ext cx="9197247" cy="5797410"/>
+          </a:xfrm>
           <a:prstGeom prst="rect">
             <a:avLst/>
           </a:prstGeom>
+          <a:ln w="12700">
+            <a:miter lim="400000"/>
+          </a:ln>
         </p:spPr>
-        <p:txBody>
-          <a:bodyPr/>
-          <a:lstStyle/>
-          <a:p>
-            <a:pPr>
-              <a:buBlip>
-                <a:blip r:embed="rId2"/>
-              </a:buBlip>
-            </a:pPr>
-            <a:r>
-              <a:t>DWM Research paper given by the professor</a:t>
-            </a:r>
-          </a:p>
-          <a:p>
-            <a:pPr>
-              <a:buBlip>
-                <a:blip r:embed="rId2"/>
-              </a:buBlip>
-            </a:pPr>
-            <a:r>
-              <a:t>Google</a:t>
-            </a:r>
-          </a:p>
-          <a:p>
-            <a:pPr>
-              <a:buBlip>
-                <a:blip r:embed="rId2"/>
-              </a:buBlip>
-            </a:pPr>
-            <a:r>
-              <a:t>Github</a:t>
-            </a:r>
-          </a:p>
-          <a:p>
-            <a:pPr>
-              <a:buBlip>
-                <a:blip r:embed="rId2"/>
-              </a:buBlip>
-            </a:pPr>
-            <a:r>
-              <a:t>Kaggle</a:t>
-            </a:r>
-          </a:p>
-        </p:txBody>
-      </p:sp>
+      </p:pic>
     </p:spTree>
   </p:cSld>
   <p:clrMapOvr>
@@ -3713,7 +4005,7 @@
       </p:grpSpPr>
       <p:sp>
         <p:nvSpPr>
-          <p:cNvPr id="141" name="Thank you for your attention."/>
+          <p:cNvPr id="141" name="Specific data[Elmir]"/>
           <p:cNvSpPr txBox="1"/>
           <p:nvPr>
             <p:ph type="title"/>
@@ -3728,13 +4020,130 @@
           <a:bodyPr/>
           <a:lstStyle/>
           <a:p>
-            <a:pPr/>
-            <a:r>
-              <a:t>Thank you for your attention.</a:t>
+            <a:pPr lvl="1"/>
+            <a:r>
+              <a:t>Specific data[Elmir]</a:t>
             </a:r>
           </a:p>
         </p:txBody>
       </p:sp>
+      <p:sp>
+        <p:nvSpPr>
+          <p:cNvPr id="142" name="Generating new data every runtime…"/>
+          <p:cNvSpPr txBox="1"/>
+          <p:nvPr>
+            <p:ph type="body" idx="1"/>
+          </p:nvPr>
+        </p:nvSpPr>
+        <p:spPr>
+          <a:prstGeom prst="rect">
+            <a:avLst/>
+          </a:prstGeom>
+        </p:spPr>
+        <p:txBody>
+          <a:bodyPr/>
+          <a:lstStyle/>
+          <a:p>
+            <a:pPr>
+              <a:buBlip>
+                <a:blip r:embed="rId2"/>
+              </a:buBlip>
+            </a:pPr>
+            <a:r>
+              <a:t>Generating new data every runtime</a:t>
+            </a:r>
+          </a:p>
+          <a:p>
+            <a:pPr>
+              <a:buBlip>
+                <a:blip r:embed="rId2"/>
+              </a:buBlip>
+            </a:pPr>
+            <a:r>
+              <a:t>Identifying sleeping experts based on the consideration of the weights, days</a:t>
+            </a:r>
+          </a:p>
+        </p:txBody>
+      </p:sp>
+    </p:spTree>
+  </p:cSld>
+  <p:clrMapOvr>
+    <a:masterClrMapping/>
+  </p:clrMapOvr>
+  <p:transition xmlns:p14="http://schemas.microsoft.com/office/powerpoint/2010/main" spd="med" advClick="1"/>
+</p:sld>
+</file>
+
+<file path=ppt/slides/slide9.xml><?xml version="1.0" encoding="utf-8"?>
+<p:sld xmlns:a="http://schemas.openxmlformats.org/drawingml/2006/main" xmlns:r="http://schemas.openxmlformats.org/officeDocument/2006/relationships" xmlns:p="http://schemas.openxmlformats.org/presentationml/2006/main" xmlns:m="http://schemas.openxmlformats.org/officeDocument/2006/math" xmlns:a14="http://schemas.microsoft.com/office/drawing/2010/main" showMasterSp="1" showMasterPhAnim="1">
+  <p:cSld>
+    <p:spTree>
+      <p:nvGrpSpPr>
+        <p:cNvPr id="1" name=""/>
+        <p:cNvGrpSpPr/>
+        <p:nvPr/>
+      </p:nvGrpSpPr>
+      <p:grpSpPr>
+        <a:xfrm>
+          <a:off x="0" y="0"/>
+          <a:ext cx="0" cy="0"/>
+          <a:chOff x="0" y="0"/>
+          <a:chExt cx="0" cy="0"/>
+        </a:xfrm>
+      </p:grpSpPr>
+      <p:sp>
+        <p:nvSpPr>
+          <p:cNvPr id="144" name="Sleeping experts"/>
+          <p:cNvSpPr txBox="1"/>
+          <p:nvPr>
+            <p:ph type="title"/>
+          </p:nvPr>
+        </p:nvSpPr>
+        <p:spPr>
+          <a:prstGeom prst="rect">
+            <a:avLst/>
+          </a:prstGeom>
+        </p:spPr>
+        <p:txBody>
+          <a:bodyPr/>
+          <a:lstStyle/>
+          <a:p>
+            <a:pPr/>
+            <a:r>
+              <a:t>Sleeping experts</a:t>
+            </a:r>
+          </a:p>
+        </p:txBody>
+      </p:sp>
+      <p:pic>
+        <p:nvPicPr>
+          <p:cNvPr id="145" name="A08B3C91-868A-400F-9604-9B593CCFAC7C.jpeg" descr="A08B3C91-868A-400F-9604-9B593CCFAC7C.jpeg"/>
+          <p:cNvPicPr>
+            <a:picLocks noChangeAspect="1"/>
+          </p:cNvPicPr>
+          <p:nvPr/>
+        </p:nvPicPr>
+        <p:blipFill>
+          <a:blip r:embed="rId2">
+            <a:extLst/>
+          </a:blip>
+          <a:stretch>
+            <a:fillRect/>
+          </a:stretch>
+        </p:blipFill>
+        <p:spPr>
+          <a:xfrm>
+            <a:off x="1422790" y="348112"/>
+            <a:ext cx="10464801" cy="6179689"/>
+          </a:xfrm>
+          <a:prstGeom prst="rect">
+            <a:avLst/>
+          </a:prstGeom>
+          <a:ln w="12700">
+            <a:miter lim="400000"/>
+          </a:ln>
+        </p:spPr>
+      </p:pic>
     </p:spTree>
   </p:cSld>
   <p:clrMapOvr>
@@ -3749,16 +4158,16 @@
   <a:themeElements>
     <a:clrScheme name="GraphPaper">
       <a:dk1>
-        <a:srgbClr val="008585"/>
+        <a:srgbClr val="858585"/>
       </a:dk1>
       <a:lt1>
-        <a:srgbClr val="858585"/>
+        <a:srgbClr val="008585"/>
       </a:lt1>
       <a:dk2>
-        <a:srgbClr val="5A554C"/>
+        <a:srgbClr val="A7A7A7"/>
       </a:dk2>
       <a:lt2>
-        <a:srgbClr val="D8D7D7"/>
+        <a:srgbClr val="535353"/>
       </a:lt2>
       <a:accent1>
         <a:srgbClr val="3E93D7"/>
@@ -3787,14 +4196,14 @@
     </a:clrScheme>
     <a:fontScheme name="GraphPaper">
       <a:majorFont>
-        <a:latin typeface="Marker Felt"/>
-        <a:ea typeface="Marker Felt"/>
-        <a:cs typeface="Marker Felt"/>
+        <a:latin typeface="Helvetica Neue"/>
+        <a:ea typeface="Helvetica Neue"/>
+        <a:cs typeface="Helvetica Neue"/>
       </a:majorFont>
       <a:minorFont>
-        <a:latin typeface="Marker Felt"/>
-        <a:ea typeface="Marker Felt"/>
-        <a:cs typeface="Marker Felt"/>
+        <a:latin typeface="Helvetica"/>
+        <a:ea typeface="Helvetica"/>
+        <a:cs typeface="Helvetica"/>
       </a:minorFont>
     </a:fontScheme>
     <a:fmtScheme name="GraphPaper">
@@ -3935,16 +4344,14 @@
     <a:spDef>
       <a:spPr>
         <a:solidFill>
-          <a:schemeClr val="accent1">
-            <a:hueOff val="-313507"/>
-            <a:satOff val="34334"/>
-            <a:lumOff val="-8266"/>
-            <a:alpha val="62000"/>
-          </a:schemeClr>
+          <a:srgbClr val="858585"/>
         </a:solidFill>
-        <a:ln w="12700" cap="flat">
-          <a:noFill/>
-          <a:miter lim="400000"/>
+        <a:ln w="25400" cap="flat">
+          <a:solidFill>
+            <a:schemeClr val="accent1"/>
+          </a:solidFill>
+          <a:prstDash val="solid"/>
+          <a:round/>
         </a:ln>
         <a:effectLst/>
         <a:sp3d/>
@@ -3968,18 +4375,18 @@
           <a:buFontTx/>
           <a:buNone/>
           <a:tabLst/>
-          <a:defRPr b="0" baseline="0" cap="none" i="0" spc="0" strike="noStrike" sz="3600" u="none" kumimoji="0" normalizeH="0">
+          <a:defRPr b="0" baseline="0" cap="none" i="0" spc="0" strike="noStrike" sz="4000" u="none" kumimoji="0" normalizeH="0">
             <a:ln>
               <a:noFill/>
             </a:ln>
             <a:solidFill>
-              <a:srgbClr val="FFFFFF"/>
+              <a:srgbClr val="008585"/>
             </a:solidFill>
             <a:effectLst/>
             <a:uFillTx/>
-            <a:latin typeface="+mn-lt"/>
-            <a:ea typeface="+mn-ea"/>
-            <a:cs typeface="+mn-cs"/>
+            <a:latin typeface="Marker Felt"/>
+            <a:ea typeface="Marker Felt"/>
+            <a:cs typeface="Marker Felt"/>
             <a:sym typeface="Marker Felt"/>
           </a:defRPr>
         </a:defPPr>
@@ -4230,10 +4637,10 @@
         <a:noFill/>
         <a:ln w="25400" cap="flat">
           <a:solidFill>
-            <a:srgbClr val="75B1D4"/>
+            <a:schemeClr val="accent1"/>
           </a:solidFill>
           <a:prstDash val="solid"/>
-          <a:miter lim="400000"/>
+          <a:round/>
         </a:ln>
         <a:effectLst/>
         <a:sp3d/>
@@ -4544,13 +4951,13 @@
               <a:noFill/>
             </a:ln>
             <a:solidFill>
-              <a:srgbClr val="858585"/>
+              <a:srgbClr val="008585"/>
             </a:solidFill>
             <a:effectLst/>
             <a:uFillTx/>
-            <a:latin typeface="+mn-lt"/>
-            <a:ea typeface="+mn-ea"/>
-            <a:cs typeface="+mn-cs"/>
+            <a:latin typeface="Marker Felt"/>
+            <a:ea typeface="Marker Felt"/>
+            <a:cs typeface="Marker Felt"/>
             <a:sym typeface="Marker Felt"/>
           </a:defRPr>
         </a:defPPr>
@@ -4811,10 +5218,10 @@
         <a:srgbClr val="FFFFFF"/>
       </a:lt1>
       <a:dk2>
-        <a:srgbClr val="5A554C"/>
+        <a:srgbClr val="A7A7A7"/>
       </a:dk2>
       <a:lt2>
-        <a:srgbClr val="D8D7D7"/>
+        <a:srgbClr val="535353"/>
       </a:lt2>
       <a:accent1>
         <a:srgbClr val="3E93D7"/>
@@ -4843,14 +5250,14 @@
     </a:clrScheme>
     <a:fontScheme name="GraphPaper">
       <a:majorFont>
-        <a:latin typeface="Marker Felt"/>
-        <a:ea typeface="Marker Felt"/>
-        <a:cs typeface="Marker Felt"/>
+        <a:latin typeface="Helvetica Neue"/>
+        <a:ea typeface="Helvetica Neue"/>
+        <a:cs typeface="Helvetica Neue"/>
       </a:majorFont>
       <a:minorFont>
-        <a:latin typeface="Marker Felt"/>
-        <a:ea typeface="Marker Felt"/>
-        <a:cs typeface="Marker Felt"/>
+        <a:latin typeface="Helvetica"/>
+        <a:ea typeface="Helvetica"/>
+        <a:cs typeface="Helvetica"/>
       </a:minorFont>
     </a:fontScheme>
     <a:fmtScheme name="GraphPaper">
@@ -4991,16 +5398,14 @@
     <a:spDef>
       <a:spPr>
         <a:solidFill>
-          <a:schemeClr val="accent1">
-            <a:hueOff val="-313507"/>
-            <a:satOff val="34334"/>
-            <a:lumOff val="-8266"/>
-            <a:alpha val="62000"/>
-          </a:schemeClr>
+          <a:srgbClr val="858585"/>
         </a:solidFill>
-        <a:ln w="12700" cap="flat">
-          <a:noFill/>
-          <a:miter lim="400000"/>
+        <a:ln w="25400" cap="flat">
+          <a:solidFill>
+            <a:schemeClr val="accent1"/>
+          </a:solidFill>
+          <a:prstDash val="solid"/>
+          <a:round/>
         </a:ln>
         <a:effectLst/>
         <a:sp3d/>
@@ -5024,18 +5429,18 @@
           <a:buFontTx/>
           <a:buNone/>
           <a:tabLst/>
-          <a:defRPr b="0" baseline="0" cap="none" i="0" spc="0" strike="noStrike" sz="3600" u="none" kumimoji="0" normalizeH="0">
+          <a:defRPr b="0" baseline="0" cap="none" i="0" spc="0" strike="noStrike" sz="4000" u="none" kumimoji="0" normalizeH="0">
             <a:ln>
               <a:noFill/>
             </a:ln>
             <a:solidFill>
-              <a:srgbClr val="FFFFFF"/>
+              <a:srgbClr val="008585"/>
             </a:solidFill>
             <a:effectLst/>
             <a:uFillTx/>
-            <a:latin typeface="+mn-lt"/>
-            <a:ea typeface="+mn-ea"/>
-            <a:cs typeface="+mn-cs"/>
+            <a:latin typeface="Marker Felt"/>
+            <a:ea typeface="Marker Felt"/>
+            <a:cs typeface="Marker Felt"/>
             <a:sym typeface="Marker Felt"/>
           </a:defRPr>
         </a:defPPr>
@@ -5286,10 +5691,10 @@
         <a:noFill/>
         <a:ln w="25400" cap="flat">
           <a:solidFill>
-            <a:srgbClr val="75B1D4"/>
+            <a:schemeClr val="accent1"/>
           </a:solidFill>
           <a:prstDash val="solid"/>
-          <a:miter lim="400000"/>
+          <a:round/>
         </a:ln>
         <a:effectLst/>
         <a:sp3d/>
@@ -5600,13 +6005,13 @@
               <a:noFill/>
             </a:ln>
             <a:solidFill>
-              <a:srgbClr val="858585"/>
+              <a:srgbClr val="008585"/>
             </a:solidFill>
             <a:effectLst/>
             <a:uFillTx/>
-            <a:latin typeface="+mn-lt"/>
-            <a:ea typeface="+mn-ea"/>
-            <a:cs typeface="+mn-cs"/>
+            <a:latin typeface="Marker Felt"/>
+            <a:ea typeface="Marker Felt"/>
+            <a:cs typeface="Marker Felt"/>
             <a:sym typeface="Marker Felt"/>
           </a:defRPr>
         </a:defPPr>
